--- a/p1_navigation/Image/architecture.pptx
+++ b/p1_navigation/Image/architecture.pptx
@@ -104,6 +104,11 @@
       </a:defRPr>
     </a:lvl9pPr>
   </p:defaultTextStyle>
+  <p:extLst>
+    <p:ext uri="{EFAFB233-063F-42B5-8137-9DF3F51BA10A}">
+      <p15:sldGuideLst xmlns:p15="http://schemas.microsoft.com/office/powerpoint/2012/main"/>
+    </p:ext>
+  </p:extLst>
 </p:presentation>
 </file>
 
@@ -4402,8 +4407,8 @@
         </p:nvCxnSpPr>
         <p:spPr>
           <a:xfrm rot="5400000" flipH="1" flipV="1">
-            <a:off x="2350039" y="516866"/>
-            <a:ext cx="819601" cy="1827719"/>
+            <a:off x="2186211" y="353038"/>
+            <a:ext cx="1147257" cy="1827719"/>
           </a:xfrm>
           <a:prstGeom prst="bentConnector2">
             <a:avLst/>
@@ -4447,7 +4452,7 @@
         </p:nvGrpSpPr>
         <p:grpSpPr>
           <a:xfrm>
-            <a:off x="3560486" y="649461"/>
+            <a:off x="3560486" y="321801"/>
             <a:ext cx="2237680" cy="688338"/>
             <a:chOff x="5978376" y="873953"/>
             <a:chExt cx="2237680" cy="688338"/>
@@ -4590,12 +4595,12 @@
         </p:nvCxnSpPr>
         <p:spPr>
           <a:xfrm>
-            <a:off x="5678121" y="1030050"/>
-            <a:ext cx="4390539" cy="1689899"/>
+            <a:off x="5710690" y="701517"/>
+            <a:ext cx="4375676" cy="1939700"/>
           </a:xfrm>
           <a:prstGeom prst="bentConnector3">
             <a:avLst>
-              <a:gd name="adj1" fmla="val 99943"/>
+              <a:gd name="adj1" fmla="val 99979"/>
             </a:avLst>
           </a:prstGeom>
           <a:ln w="57150">
@@ -4737,7 +4742,7 @@
         </p:nvSpPr>
         <p:spPr>
           <a:xfrm>
-            <a:off x="6171240" y="702410"/>
+            <a:off x="6171240" y="374750"/>
             <a:ext cx="2596565" cy="646331"/>
           </a:xfrm>
           <a:prstGeom prst="rect">
@@ -5013,6 +5018,225 @@
               <a:rPr lang="en-US" b="1" dirty="0"/>
               <a:t>env</a:t>
             </a:r>
+          </a:p>
+        </p:txBody>
+      </p:sp>
+      <p:cxnSp>
+        <p:nvCxnSpPr>
+          <p:cNvPr id="34" name="Connector: Elbow 33">
+            <a:extLst>
+              <a:ext uri="{FF2B5EF4-FFF2-40B4-BE49-F238E27FC236}">
+                <a16:creationId xmlns:a16="http://schemas.microsoft.com/office/drawing/2014/main" id="{4B162F4C-0676-4360-B136-4925B65FAB5F}"/>
+              </a:ext>
+            </a:extLst>
+          </p:cNvPr>
+          <p:cNvCxnSpPr>
+            <a:cxnSpLocks/>
+            <a:endCxn id="28" idx="6"/>
+          </p:cNvCxnSpPr>
+          <p:nvPr/>
+        </p:nvCxnSpPr>
+        <p:spPr>
+          <a:xfrm rot="10800000">
+            <a:off x="1974582" y="1560021"/>
+            <a:ext cx="4352705" cy="259842"/>
+          </a:xfrm>
+          <a:prstGeom prst="bentConnector3">
+            <a:avLst>
+              <a:gd name="adj1" fmla="val 326"/>
+            </a:avLst>
+          </a:prstGeom>
+          <a:ln w="57150">
+            <a:solidFill>
+              <a:schemeClr val="accent2">
+                <a:lumMod val="40000"/>
+                <a:lumOff val="60000"/>
+              </a:schemeClr>
+            </a:solidFill>
+            <a:tailEnd type="triangle"/>
+          </a:ln>
+        </p:spPr>
+        <p:style>
+          <a:lnRef idx="1">
+            <a:schemeClr val="accent1"/>
+          </a:lnRef>
+          <a:fillRef idx="0">
+            <a:schemeClr val="accent1"/>
+          </a:fillRef>
+          <a:effectRef idx="0">
+            <a:schemeClr val="accent1"/>
+          </a:effectRef>
+          <a:fontRef idx="minor">
+            <a:schemeClr val="tx1"/>
+          </a:fontRef>
+        </p:style>
+      </p:cxnSp>
+      <p:sp>
+        <p:nvSpPr>
+          <p:cNvPr id="28" name="Oval 27">
+            <a:extLst>
+              <a:ext uri="{FF2B5EF4-FFF2-40B4-BE49-F238E27FC236}">
+                <a16:creationId xmlns:a16="http://schemas.microsoft.com/office/drawing/2014/main" id="{399774C7-8DCF-4E4B-8F8C-58CFA96971AA}"/>
+              </a:ext>
+            </a:extLst>
+          </p:cNvPr>
+          <p:cNvSpPr/>
+          <p:nvPr/>
+        </p:nvSpPr>
+        <p:spPr>
+          <a:xfrm>
+            <a:off x="1708557" y="1430725"/>
+            <a:ext cx="266024" cy="258591"/>
+          </a:xfrm>
+          <a:prstGeom prst="ellipse">
+            <a:avLst/>
+          </a:prstGeom>
+          <a:solidFill>
+            <a:schemeClr val="accent2">
+              <a:lumMod val="40000"/>
+              <a:lumOff val="60000"/>
+            </a:schemeClr>
+          </a:solidFill>
+        </p:spPr>
+        <p:style>
+          <a:lnRef idx="2">
+            <a:schemeClr val="accent2">
+              <a:shade val="50000"/>
+            </a:schemeClr>
+          </a:lnRef>
+          <a:fillRef idx="1">
+            <a:schemeClr val="accent2"/>
+          </a:fillRef>
+          <a:effectRef idx="0">
+            <a:schemeClr val="accent2"/>
+          </a:effectRef>
+          <a:fontRef idx="minor">
+            <a:schemeClr val="lt1"/>
+          </a:fontRef>
+        </p:style>
+        <p:txBody>
+          <a:bodyPr rtlCol="0" anchor="ctr"/>
+          <a:lstStyle/>
+          <a:p>
+            <a:pPr algn="ctr"/>
+            <a:endParaRPr lang="en-US"/>
+          </a:p>
+        </p:txBody>
+      </p:sp>
+      <p:sp>
+        <p:nvSpPr>
+          <p:cNvPr id="42" name="TextBox 41">
+            <a:extLst>
+              <a:ext uri="{FF2B5EF4-FFF2-40B4-BE49-F238E27FC236}">
+                <a16:creationId xmlns:a16="http://schemas.microsoft.com/office/drawing/2014/main" id="{17FE9458-6114-4288-9F6D-7797A5D176AB}"/>
+              </a:ext>
+            </a:extLst>
+          </p:cNvPr>
+          <p:cNvSpPr txBox="1"/>
+          <p:nvPr/>
+        </p:nvSpPr>
+        <p:spPr>
+          <a:xfrm>
+            <a:off x="1219009" y="879978"/>
+            <a:ext cx="2596565" cy="646331"/>
+          </a:xfrm>
+          <a:prstGeom prst="rect">
+            <a:avLst/>
+          </a:prstGeom>
+          <a:noFill/>
+        </p:spPr>
+        <p:txBody>
+          <a:bodyPr wrap="square" rtlCol="0">
+            <a:spAutoFit/>
+          </a:bodyPr>
+          <a:lstStyle/>
+          <a:p>
+            <a:pPr algn="ctr"/>
+            <a:r>
+              <a:rPr lang="en-US" altLang="zh-CN" dirty="0"/>
+              <a:t>Double</a:t>
+            </a:r>
+            <a:r>
+              <a:rPr lang="en-US" dirty="0"/>
+              <a:t> DQN</a:t>
+            </a:r>
+          </a:p>
+          <a:p>
+            <a:pPr algn="ctr"/>
+            <a:r>
+              <a:rPr lang="en-US" b="1" dirty="0" err="1">
+                <a:solidFill>
+                  <a:schemeClr val="accent2">
+                    <a:lumMod val="75000"/>
+                  </a:schemeClr>
+                </a:solidFill>
+              </a:rPr>
+              <a:t>Agent</a:t>
+            </a:r>
+            <a:r>
+              <a:rPr lang="en-US" dirty="0" err="1">
+                <a:solidFill>
+                  <a:schemeClr val="accent1"/>
+                </a:solidFill>
+              </a:rPr>
+              <a:t>.learn</a:t>
+            </a:r>
+            <a:endParaRPr lang="en-US" dirty="0">
+              <a:solidFill>
+                <a:schemeClr val="accent1"/>
+              </a:solidFill>
+            </a:endParaRPr>
+          </a:p>
+        </p:txBody>
+      </p:sp>
+      <p:sp>
+        <p:nvSpPr>
+          <p:cNvPr id="44" name="Minus Sign 43">
+            <a:extLst>
+              <a:ext uri="{FF2B5EF4-FFF2-40B4-BE49-F238E27FC236}">
+                <a16:creationId xmlns:a16="http://schemas.microsoft.com/office/drawing/2014/main" id="{385AA2D1-CEC9-42E2-807D-CB1E8B2E32F0}"/>
+              </a:ext>
+            </a:extLst>
+          </p:cNvPr>
+          <p:cNvSpPr/>
+          <p:nvPr/>
+        </p:nvSpPr>
+        <p:spPr>
+          <a:xfrm>
+            <a:off x="1737695" y="1502379"/>
+            <a:ext cx="207748" cy="115957"/>
+          </a:xfrm>
+          <a:prstGeom prst="mathMinus">
+            <a:avLst/>
+          </a:prstGeom>
+          <a:solidFill>
+            <a:schemeClr val="accent2">
+              <a:lumMod val="75000"/>
+            </a:schemeClr>
+          </a:solidFill>
+        </p:spPr>
+        <p:style>
+          <a:lnRef idx="2">
+            <a:schemeClr val="accent2">
+              <a:shade val="50000"/>
+            </a:schemeClr>
+          </a:lnRef>
+          <a:fillRef idx="1">
+            <a:schemeClr val="accent2"/>
+          </a:fillRef>
+          <a:effectRef idx="0">
+            <a:schemeClr val="accent2"/>
+          </a:effectRef>
+          <a:fontRef idx="minor">
+            <a:schemeClr val="lt1"/>
+          </a:fontRef>
+        </p:style>
+        <p:txBody>
+          <a:bodyPr rtlCol="0" anchor="ctr"/>
+          <a:lstStyle/>
+          <a:p>
+            <a:pPr algn="ctr"/>
+            <a:endParaRPr lang="en-US"/>
           </a:p>
         </p:txBody>
       </p:sp>

--- a/p1_navigation/Image/architecture.pptx
+++ b/p1_navigation/Image/architecture.pptx
@@ -4568,7 +4568,15 @@
                     <a:schemeClr val="accent1"/>
                   </a:solidFill>
                 </a:rPr>
-                <a:t>.act</a:t>
+                <a:t>.</a:t>
+              </a:r>
+              <a:r>
+                <a:rPr lang="en-US" altLang="zh-CN" dirty="0" err="1">
+                  <a:solidFill>
+                    <a:schemeClr val="accent1"/>
+                  </a:solidFill>
+                </a:rPr>
+                <a:t>learn</a:t>
               </a:r>
               <a:endParaRPr lang="en-US" dirty="0">
                 <a:solidFill>

--- a/p1_navigation/Image/architecture.pptx
+++ b/p1_navigation/Image/architecture.pptx
@@ -3340,8 +3340,8 @@
         </p:nvSpPr>
         <p:spPr>
           <a:xfrm>
-            <a:off x="244338" y="97981"/>
-            <a:ext cx="8839472" cy="6573525"/>
+            <a:off x="203193" y="55858"/>
+            <a:ext cx="9222887" cy="6573525"/>
           </a:xfrm>
           <a:prstGeom prst="rect">
             <a:avLst/>
@@ -3392,7 +3392,7 @@
         </p:nvSpPr>
         <p:spPr>
           <a:xfrm>
-            <a:off x="244338" y="100035"/>
+            <a:off x="-210225" y="-19946"/>
             <a:ext cx="2331298" cy="646331"/>
           </a:xfrm>
           <a:prstGeom prst="rect">
@@ -3406,12 +3406,14 @@
           </a:bodyPr>
           <a:lstStyle/>
           <a:p>
+            <a:pPr algn="ctr"/>
             <a:r>
               <a:rPr lang="en-US" dirty="0"/>
               <a:t>Train the Agent</a:t>
             </a:r>
           </a:p>
           <a:p>
+            <a:pPr algn="ctr"/>
             <a:r>
               <a:rPr lang="en-US" b="1" dirty="0">
                 <a:solidFill>
@@ -3454,7 +3456,7 @@
         </p:nvSpPr>
         <p:spPr>
           <a:xfrm>
-            <a:off x="1596157" y="5230037"/>
+            <a:off x="1853332" y="5230037"/>
             <a:ext cx="2219417" cy="1180730"/>
           </a:xfrm>
           <a:prstGeom prst="flowChartMagneticDisk">
@@ -3541,7 +3543,7 @@
         </p:nvSpPr>
         <p:spPr>
           <a:xfrm rot="10800000">
-            <a:off x="2499828" y="4568675"/>
+            <a:off x="2757003" y="4568675"/>
             <a:ext cx="412074" cy="774541"/>
           </a:xfrm>
           <a:prstGeom prst="downArrow">
@@ -3590,7 +3592,7 @@
         </p:nvSpPr>
         <p:spPr>
           <a:xfrm>
-            <a:off x="2857966" y="4575096"/>
+            <a:off x="3115141" y="4575096"/>
             <a:ext cx="2596565" cy="646331"/>
           </a:xfrm>
           <a:prstGeom prst="rect">
@@ -3652,7 +3654,7 @@
         </p:nvGrpSpPr>
         <p:grpSpPr>
           <a:xfrm>
-            <a:off x="1910387" y="3451427"/>
+            <a:off x="2167562" y="3451427"/>
             <a:ext cx="1756820" cy="1180730"/>
             <a:chOff x="2164326" y="3452050"/>
             <a:chExt cx="1756820" cy="1180730"/>
@@ -3773,113 +3775,6 @@
           </p:txBody>
         </p:sp>
       </p:grpSp>
-      <p:sp>
-        <p:nvSpPr>
-          <p:cNvPr id="13" name="TextBox 12">
-            <a:extLst>
-              <a:ext uri="{FF2B5EF4-FFF2-40B4-BE49-F238E27FC236}">
-                <a16:creationId xmlns:a16="http://schemas.microsoft.com/office/drawing/2014/main" id="{FF4C345B-A78A-4E88-8699-5946816A4090}"/>
-              </a:ext>
-            </a:extLst>
-          </p:cNvPr>
-          <p:cNvSpPr txBox="1"/>
-          <p:nvPr/>
-        </p:nvSpPr>
-        <p:spPr>
-          <a:xfrm>
-            <a:off x="547696" y="2836775"/>
-            <a:ext cx="2596565" cy="646331"/>
-          </a:xfrm>
-          <a:prstGeom prst="rect">
-            <a:avLst/>
-          </a:prstGeom>
-          <a:noFill/>
-        </p:spPr>
-        <p:txBody>
-          <a:bodyPr wrap="square" rtlCol="0">
-            <a:spAutoFit/>
-          </a:bodyPr>
-          <a:lstStyle/>
-          <a:p>
-            <a:pPr algn="ctr"/>
-            <a:r>
-              <a:rPr lang="en-US" dirty="0"/>
-              <a:t>Train Q-function</a:t>
-            </a:r>
-          </a:p>
-          <a:p>
-            <a:pPr algn="ctr"/>
-            <a:r>
-              <a:rPr lang="en-US" b="1" dirty="0" err="1">
-                <a:solidFill>
-                  <a:schemeClr val="accent2"/>
-                </a:solidFill>
-              </a:rPr>
-              <a:t>Agent</a:t>
-            </a:r>
-            <a:r>
-              <a:rPr lang="en-US" dirty="0" err="1">
-                <a:solidFill>
-                  <a:schemeClr val="accent1"/>
-                </a:solidFill>
-              </a:rPr>
-              <a:t>.learn</a:t>
-            </a:r>
-            <a:endParaRPr lang="en-US" dirty="0">
-              <a:solidFill>
-                <a:schemeClr val="accent1"/>
-              </a:solidFill>
-            </a:endParaRPr>
-          </a:p>
-        </p:txBody>
-      </p:sp>
-      <p:cxnSp>
-        <p:nvCxnSpPr>
-          <p:cNvPr id="15" name="Straight Arrow Connector 14">
-            <a:extLst>
-              <a:ext uri="{FF2B5EF4-FFF2-40B4-BE49-F238E27FC236}">
-                <a16:creationId xmlns:a16="http://schemas.microsoft.com/office/drawing/2014/main" id="{2EACAAAE-673C-4BA2-8531-770EA930667B}"/>
-              </a:ext>
-            </a:extLst>
-          </p:cNvPr>
-          <p:cNvCxnSpPr>
-            <a:cxnSpLocks/>
-          </p:cNvCxnSpPr>
-          <p:nvPr/>
-        </p:nvCxnSpPr>
-        <p:spPr>
-          <a:xfrm flipV="1">
-            <a:off x="2705864" y="2719950"/>
-            <a:ext cx="0" cy="953601"/>
-          </a:xfrm>
-          <a:prstGeom prst="straightConnector1">
-            <a:avLst/>
-          </a:prstGeom>
-          <a:ln w="57150">
-            <a:solidFill>
-              <a:schemeClr val="accent1">
-                <a:lumMod val="40000"/>
-                <a:lumOff val="60000"/>
-              </a:schemeClr>
-            </a:solidFill>
-            <a:tailEnd type="triangle"/>
-          </a:ln>
-        </p:spPr>
-        <p:style>
-          <a:lnRef idx="1">
-            <a:schemeClr val="accent6"/>
-          </a:lnRef>
-          <a:fillRef idx="0">
-            <a:schemeClr val="accent6"/>
-          </a:fillRef>
-          <a:effectRef idx="0">
-            <a:schemeClr val="accent6"/>
-          </a:effectRef>
-          <a:fontRef idx="minor">
-            <a:schemeClr val="tx1"/>
-          </a:fontRef>
-        </p:style>
-      </p:cxnSp>
       <p:grpSp>
         <p:nvGrpSpPr>
           <p:cNvPr id="23" name="Group 22">
@@ -3894,7 +3789,7 @@
         </p:nvGrpSpPr>
         <p:grpSpPr>
           <a:xfrm>
-            <a:off x="429306" y="1840525"/>
+            <a:off x="686481" y="1840525"/>
             <a:ext cx="3489982" cy="879425"/>
             <a:chOff x="1729772" y="2014876"/>
             <a:chExt cx="3489982" cy="879425"/>
@@ -4089,7 +3984,7 @@
         </p:nvGrpSpPr>
         <p:grpSpPr>
           <a:xfrm>
-            <a:off x="6096000" y="1829489"/>
+            <a:off x="6353175" y="1829489"/>
             <a:ext cx="3489982" cy="879425"/>
             <a:chOff x="1729772" y="2014876"/>
             <a:chExt cx="3489982" cy="879425"/>
@@ -4272,79 +4167,19 @@
       </p:grpSp>
       <p:sp>
         <p:nvSpPr>
-          <p:cNvPr id="31" name="TextBox 30">
-            <a:extLst>
-              <a:ext uri="{FF2B5EF4-FFF2-40B4-BE49-F238E27FC236}">
-                <a16:creationId xmlns:a16="http://schemas.microsoft.com/office/drawing/2014/main" id="{293CDBA3-D84D-46D2-8EA5-7D73506E2E04}"/>
-              </a:ext>
-            </a:extLst>
-          </p:cNvPr>
-          <p:cNvSpPr txBox="1"/>
+          <p:cNvPr id="35" name="Rectangle 34">
+            <a:extLst>
+              <a:ext uri="{FF2B5EF4-FFF2-40B4-BE49-F238E27FC236}">
+                <a16:creationId xmlns:a16="http://schemas.microsoft.com/office/drawing/2014/main" id="{43C6F0DB-7B43-47AE-8F51-DE65793B4514}"/>
+              </a:ext>
+            </a:extLst>
+          </p:cNvPr>
+          <p:cNvSpPr/>
           <p:nvPr/>
         </p:nvSpPr>
         <p:spPr>
           <a:xfrm>
-            <a:off x="2980117" y="2210330"/>
-            <a:ext cx="3398419" cy="430887"/>
-          </a:xfrm>
-          <a:prstGeom prst="rect">
-            <a:avLst/>
-          </a:prstGeom>
-          <a:noFill/>
-        </p:spPr>
-        <p:txBody>
-          <a:bodyPr wrap="square" rtlCol="0">
-            <a:spAutoFit/>
-          </a:bodyPr>
-          <a:lstStyle/>
-          <a:p>
-            <a:pPr algn="ctr"/>
-            <a:r>
-              <a:rPr lang="en-US" sz="1050" dirty="0"/>
-              <a:t>Dueling to share some small portion of knowledge</a:t>
-            </a:r>
-          </a:p>
-          <a:p>
-            <a:pPr algn="ctr"/>
-            <a:r>
-              <a:rPr lang="en-US" sz="1050" b="1" dirty="0" err="1">
-                <a:solidFill>
-                  <a:schemeClr val="accent2"/>
-                </a:solidFill>
-              </a:rPr>
-              <a:t>Agent</a:t>
-            </a:r>
-            <a:r>
-              <a:rPr lang="en-US" sz="1050" dirty="0" err="1">
-                <a:solidFill>
-                  <a:schemeClr val="accent1"/>
-                </a:solidFill>
-              </a:rPr>
-              <a:t>.soft_update</a:t>
-            </a:r>
-            <a:endParaRPr lang="en-US" sz="1050" dirty="0">
-              <a:solidFill>
-                <a:schemeClr val="accent1"/>
-              </a:solidFill>
-            </a:endParaRPr>
-          </a:p>
-        </p:txBody>
-      </p:sp>
-      <p:sp>
-        <p:nvSpPr>
-          <p:cNvPr id="35" name="Rectangle 34">
-            <a:extLst>
-              <a:ext uri="{FF2B5EF4-FFF2-40B4-BE49-F238E27FC236}">
-                <a16:creationId xmlns:a16="http://schemas.microsoft.com/office/drawing/2014/main" id="{43C6F0DB-7B43-47AE-8F51-DE65793B4514}"/>
-              </a:ext>
-            </a:extLst>
-          </p:cNvPr>
-          <p:cNvSpPr/>
-          <p:nvPr/>
-        </p:nvSpPr>
-        <p:spPr>
-          <a:xfrm>
-            <a:off x="3262653" y="2622764"/>
+            <a:off x="3519828" y="2622764"/>
             <a:ext cx="2833347" cy="62951"/>
           </a:xfrm>
           <a:prstGeom prst="rect">
@@ -4401,14 +4236,15 @@
           </p:cNvPr>
           <p:cNvCxnSpPr>
             <a:cxnSpLocks/>
-            <a:stCxn id="21" idx="0"/>
+            <a:stCxn id="28" idx="2"/>
+            <a:endCxn id="21" idx="0"/>
           </p:cNvCxnSpPr>
           <p:nvPr/>
         </p:nvCxnSpPr>
         <p:spPr>
-          <a:xfrm rot="5400000" flipH="1" flipV="1">
-            <a:off x="2186211" y="353038"/>
-            <a:ext cx="1147257" cy="1827719"/>
+          <a:xfrm rot="10800000" flipV="1">
+            <a:off x="2103156" y="1296651"/>
+            <a:ext cx="3978009" cy="543873"/>
           </a:xfrm>
           <a:prstGeom prst="bentConnector2">
             <a:avLst/>
@@ -4438,155 +4274,6 @@
           </a:fontRef>
         </p:style>
       </p:cxnSp>
-      <p:grpSp>
-        <p:nvGrpSpPr>
-          <p:cNvPr id="51" name="Group 50">
-            <a:extLst>
-              <a:ext uri="{FF2B5EF4-FFF2-40B4-BE49-F238E27FC236}">
-                <a16:creationId xmlns:a16="http://schemas.microsoft.com/office/drawing/2014/main" id="{EF6635F3-19C0-414A-BC53-57816F3635A5}"/>
-              </a:ext>
-            </a:extLst>
-          </p:cNvPr>
-          <p:cNvGrpSpPr/>
-          <p:nvPr/>
-        </p:nvGrpSpPr>
-        <p:grpSpPr>
-          <a:xfrm>
-            <a:off x="3560486" y="321801"/>
-            <a:ext cx="2237680" cy="688338"/>
-            <a:chOff x="5978376" y="873953"/>
-            <a:chExt cx="2237680" cy="688338"/>
-          </a:xfrm>
-        </p:grpSpPr>
-        <p:sp>
-          <p:nvSpPr>
-            <p:cNvPr id="45" name="Rectangle 44">
-              <a:extLst>
-                <a:ext uri="{FF2B5EF4-FFF2-40B4-BE49-F238E27FC236}">
-                  <a16:creationId xmlns:a16="http://schemas.microsoft.com/office/drawing/2014/main" id="{4B04937A-A9C9-4E2F-A1CF-8AE54FFD6A09}"/>
-                </a:ext>
-              </a:extLst>
-            </p:cNvPr>
-            <p:cNvSpPr/>
-            <p:nvPr/>
-          </p:nvSpPr>
-          <p:spPr>
-            <a:xfrm>
-              <a:off x="6096000" y="915959"/>
-              <a:ext cx="2032580" cy="646332"/>
-            </a:xfrm>
-            <a:prstGeom prst="rect">
-              <a:avLst/>
-            </a:prstGeom>
-            <a:solidFill>
-              <a:schemeClr val="accent4">
-                <a:lumMod val="20000"/>
-                <a:lumOff val="80000"/>
-              </a:schemeClr>
-            </a:solidFill>
-          </p:spPr>
-          <p:style>
-            <a:lnRef idx="2">
-              <a:schemeClr val="accent1">
-                <a:shade val="50000"/>
-              </a:schemeClr>
-            </a:lnRef>
-            <a:fillRef idx="1">
-              <a:schemeClr val="accent1"/>
-            </a:fillRef>
-            <a:effectRef idx="0">
-              <a:schemeClr val="accent1"/>
-            </a:effectRef>
-            <a:fontRef idx="minor">
-              <a:schemeClr val="lt1"/>
-            </a:fontRef>
-          </p:style>
-          <p:txBody>
-            <a:bodyPr rtlCol="0" anchor="ctr"/>
-            <a:lstStyle/>
-            <a:p>
-              <a:pPr algn="ctr"/>
-              <a:endParaRPr lang="en-US" dirty="0"/>
-            </a:p>
-          </p:txBody>
-        </p:sp>
-        <p:sp>
-          <p:nvSpPr>
-            <p:cNvPr id="47" name="TextBox 46">
-              <a:extLst>
-                <a:ext uri="{FF2B5EF4-FFF2-40B4-BE49-F238E27FC236}">
-                  <a16:creationId xmlns:a16="http://schemas.microsoft.com/office/drawing/2014/main" id="{3033AD60-CEF2-4A0E-A7AD-6B519B4DE4FD}"/>
-                </a:ext>
-              </a:extLst>
-            </p:cNvPr>
-            <p:cNvSpPr txBox="1"/>
-            <p:nvPr/>
-          </p:nvSpPr>
-          <p:spPr>
-            <a:xfrm>
-              <a:off x="5978376" y="873953"/>
-              <a:ext cx="2237680" cy="646331"/>
-            </a:xfrm>
-            <a:prstGeom prst="rect">
-              <a:avLst/>
-            </a:prstGeom>
-            <a:noFill/>
-          </p:spPr>
-          <p:txBody>
-            <a:bodyPr wrap="square" rtlCol="0">
-              <a:spAutoFit/>
-            </a:bodyPr>
-            <a:lstStyle/>
-            <a:p>
-              <a:pPr algn="ctr"/>
-              <a:r>
-                <a:rPr lang="en-US" altLang="zh-CN" dirty="0"/>
-                <a:t>Q-Learning</a:t>
-              </a:r>
-              <a:br>
-                <a:rPr lang="en-US" altLang="zh-CN" dirty="0"/>
-              </a:br>
-              <a:r>
-                <a:rPr lang="en-US" b="1" dirty="0">
-                  <a:solidFill>
-                    <a:schemeClr val="accent2"/>
-                  </a:solidFill>
-                </a:rPr>
-                <a:t>  </a:t>
-              </a:r>
-              <a:r>
-                <a:rPr lang="en-US" b="1" dirty="0" err="1">
-                  <a:solidFill>
-                    <a:schemeClr val="accent2"/>
-                  </a:solidFill>
-                </a:rPr>
-                <a:t>Agent</a:t>
-              </a:r>
-              <a:r>
-                <a:rPr lang="en-US" dirty="0" err="1">
-                  <a:solidFill>
-                    <a:schemeClr val="accent1"/>
-                  </a:solidFill>
-                </a:rPr>
-                <a:t>.</a:t>
-              </a:r>
-              <a:r>
-                <a:rPr lang="en-US" altLang="zh-CN" dirty="0" err="1">
-                  <a:solidFill>
-                    <a:schemeClr val="accent1"/>
-                  </a:solidFill>
-                </a:rPr>
-                <a:t>learn</a:t>
-              </a:r>
-              <a:endParaRPr lang="en-US" dirty="0">
-                <a:solidFill>
-                  <a:schemeClr val="accent1"/>
-                </a:solidFill>
-              </a:endParaRPr>
-            </a:p>
-          </p:txBody>
-        </p:sp>
-      </p:grpSp>
       <p:cxnSp>
         <p:nvCxnSpPr>
           <p:cNvPr id="59" name="Connector: Elbow 58">
@@ -4603,12 +4290,12 @@
         </p:nvCxnSpPr>
         <p:spPr>
           <a:xfrm>
-            <a:off x="5710690" y="701517"/>
-            <a:ext cx="4375676" cy="1939700"/>
+            <a:off x="3319971" y="2732727"/>
+            <a:ext cx="6221830" cy="639967"/>
           </a:xfrm>
           <a:prstGeom prst="bentConnector3">
             <a:avLst>
-              <a:gd name="adj1" fmla="val 99979"/>
+              <a:gd name="adj1" fmla="val 203"/>
             </a:avLst>
           </a:prstGeom>
           <a:ln w="57150">
@@ -4653,7 +4340,7 @@
         </p:nvCxnSpPr>
         <p:spPr>
           <a:xfrm rot="5400000">
-            <a:off x="6480458" y="2214493"/>
+            <a:off x="6737633" y="2214493"/>
             <a:ext cx="941025" cy="6270792"/>
           </a:xfrm>
           <a:prstGeom prst="bentConnector2">
@@ -4698,7 +4385,7 @@
         </p:nvSpPr>
         <p:spPr>
           <a:xfrm>
-            <a:off x="9302217" y="3286663"/>
+            <a:off x="9559392" y="3286663"/>
             <a:ext cx="1568298" cy="1592714"/>
           </a:xfrm>
           <a:prstGeom prst="actionButtonMovie">
@@ -4750,7 +4437,7 @@
         </p:nvSpPr>
         <p:spPr>
           <a:xfrm>
-            <a:off x="6171240" y="374750"/>
+            <a:off x="6379494" y="3061577"/>
             <a:ext cx="2596565" cy="646331"/>
           </a:xfrm>
           <a:prstGeom prst="rect">
@@ -4812,7 +4499,7 @@
         </p:nvSpPr>
         <p:spPr>
           <a:xfrm>
-            <a:off x="6096000" y="5496142"/>
+            <a:off x="6353175" y="5496142"/>
             <a:ext cx="2596565" cy="646331"/>
           </a:xfrm>
           <a:prstGeom prst="rect">
@@ -4874,7 +4561,7 @@
         </p:nvSpPr>
         <p:spPr>
           <a:xfrm>
-            <a:off x="10870515" y="3673551"/>
+            <a:off x="11127690" y="3673551"/>
             <a:ext cx="371463" cy="928010"/>
           </a:xfrm>
           <a:prstGeom prst="curvedLeftArrow">
@@ -4934,7 +4621,7 @@
         </p:nvSpPr>
         <p:spPr>
           <a:xfrm rot="5400000">
-            <a:off x="10385251" y="3774711"/>
+            <a:off x="10642426" y="3774711"/>
             <a:ext cx="2596565" cy="646331"/>
           </a:xfrm>
           <a:prstGeom prst="rect">
@@ -4990,7 +4677,7 @@
         </p:nvSpPr>
         <p:spPr>
           <a:xfrm>
-            <a:off x="9503033" y="2665492"/>
+            <a:off x="9760208" y="2665492"/>
             <a:ext cx="1857335" cy="646331"/>
           </a:xfrm>
           <a:prstGeom prst="rect">
@@ -5040,19 +4727,18 @@
           </p:cNvPr>
           <p:cNvCxnSpPr>
             <a:cxnSpLocks/>
+            <a:stCxn id="25" idx="0"/>
             <a:endCxn id="28" idx="6"/>
           </p:cNvCxnSpPr>
           <p:nvPr/>
         </p:nvCxnSpPr>
         <p:spPr>
-          <a:xfrm rot="10800000">
-            <a:off x="1974582" y="1560021"/>
-            <a:ext cx="4352705" cy="259842"/>
+          <a:xfrm rot="16200000" flipV="1">
+            <a:off x="6792101" y="851740"/>
+            <a:ext cx="532837" cy="1422661"/>
           </a:xfrm>
-          <a:prstGeom prst="bentConnector3">
-            <a:avLst>
-              <a:gd name="adj1" fmla="val 326"/>
-            </a:avLst>
+          <a:prstGeom prst="bentConnector2">
+            <a:avLst/>
           </a:prstGeom>
           <a:ln w="57150">
             <a:solidFill>
@@ -5081,6 +4767,72 @@
       </p:cxnSp>
       <p:sp>
         <p:nvSpPr>
+          <p:cNvPr id="42" name="TextBox 41">
+            <a:extLst>
+              <a:ext uri="{FF2B5EF4-FFF2-40B4-BE49-F238E27FC236}">
+                <a16:creationId xmlns:a16="http://schemas.microsoft.com/office/drawing/2014/main" id="{17FE9458-6114-4288-9F6D-7797A5D176AB}"/>
+              </a:ext>
+            </a:extLst>
+          </p:cNvPr>
+          <p:cNvSpPr txBox="1"/>
+          <p:nvPr/>
+        </p:nvSpPr>
+        <p:spPr>
+          <a:xfrm>
+            <a:off x="5624827" y="780518"/>
+            <a:ext cx="1178697" cy="415498"/>
+          </a:xfrm>
+          <a:prstGeom prst="rect">
+            <a:avLst/>
+          </a:prstGeom>
+          <a:noFill/>
+        </p:spPr>
+        <p:txBody>
+          <a:bodyPr wrap="square" rtlCol="0">
+            <a:spAutoFit/>
+          </a:bodyPr>
+          <a:lstStyle/>
+          <a:p>
+            <a:pPr algn="ctr"/>
+            <a:r>
+              <a:rPr lang="en-US" altLang="zh-CN" sz="1050" dirty="0"/>
+              <a:t>Double</a:t>
+            </a:r>
+            <a:r>
+              <a:rPr lang="en-US" sz="1050" dirty="0"/>
+              <a:t> DQN</a:t>
+            </a:r>
+          </a:p>
+          <a:p>
+            <a:pPr algn="ctr"/>
+            <a:r>
+              <a:rPr lang="en-US" sz="1050" b="1" dirty="0" err="1">
+                <a:solidFill>
+                  <a:schemeClr val="accent2">
+                    <a:lumMod val="75000"/>
+                  </a:schemeClr>
+                </a:solidFill>
+              </a:rPr>
+              <a:t>Agent</a:t>
+            </a:r>
+            <a:r>
+              <a:rPr lang="en-US" sz="1050" dirty="0" err="1">
+                <a:solidFill>
+                  <a:schemeClr val="accent1"/>
+                </a:solidFill>
+              </a:rPr>
+              <a:t>.learn</a:t>
+            </a:r>
+            <a:endParaRPr lang="en-US" sz="1050" dirty="0">
+              <a:solidFill>
+                <a:schemeClr val="accent1"/>
+              </a:solidFill>
+            </a:endParaRPr>
+          </a:p>
+        </p:txBody>
+      </p:sp>
+      <p:sp>
+        <p:nvSpPr>
           <p:cNvPr id="28" name="Oval 27">
             <a:extLst>
               <a:ext uri="{FF2B5EF4-FFF2-40B4-BE49-F238E27FC236}">
@@ -5093,7 +4845,7 @@
         </p:nvSpPr>
         <p:spPr>
           <a:xfrm>
-            <a:off x="1708557" y="1430725"/>
+            <a:off x="6081164" y="1167356"/>
             <a:ext cx="266024" cy="258591"/>
           </a:xfrm>
           <a:prstGeom prst="ellipse">
@@ -5127,16 +4879,64 @@
           <a:lstStyle/>
           <a:p>
             <a:pPr algn="ctr"/>
-            <a:endParaRPr lang="en-US"/>
-          </a:p>
-        </p:txBody>
-      </p:sp>
-      <p:sp>
-        <p:nvSpPr>
-          <p:cNvPr id="42" name="TextBox 41">
-            <a:extLst>
-              <a:ext uri="{FF2B5EF4-FFF2-40B4-BE49-F238E27FC236}">
-                <a16:creationId xmlns:a16="http://schemas.microsoft.com/office/drawing/2014/main" id="{17FE9458-6114-4288-9F6D-7797A5D176AB}"/>
+            <a:endParaRPr lang="en-US" dirty="0"/>
+          </a:p>
+        </p:txBody>
+      </p:sp>
+      <p:cxnSp>
+        <p:nvCxnSpPr>
+          <p:cNvPr id="58" name="Connector: Elbow 57">
+            <a:extLst>
+              <a:ext uri="{FF2B5EF4-FFF2-40B4-BE49-F238E27FC236}">
+                <a16:creationId xmlns:a16="http://schemas.microsoft.com/office/drawing/2014/main" id="{8057342A-E2FD-443F-AFF8-F4D65B0A42BE}"/>
+              </a:ext>
+            </a:extLst>
+          </p:cNvPr>
+          <p:cNvCxnSpPr>
+            <a:cxnSpLocks/>
+            <a:endCxn id="28" idx="4"/>
+          </p:cNvCxnSpPr>
+          <p:nvPr/>
+        </p:nvCxnSpPr>
+        <p:spPr>
+          <a:xfrm flipV="1">
+            <a:off x="3500299" y="1425947"/>
+            <a:ext cx="2713877" cy="580132"/>
+          </a:xfrm>
+          <a:prstGeom prst="bentConnector2">
+            <a:avLst/>
+          </a:prstGeom>
+          <a:ln w="57150">
+            <a:solidFill>
+              <a:schemeClr val="accent2">
+                <a:lumMod val="40000"/>
+                <a:lumOff val="60000"/>
+              </a:schemeClr>
+            </a:solidFill>
+            <a:tailEnd type="triangle"/>
+          </a:ln>
+        </p:spPr>
+        <p:style>
+          <a:lnRef idx="1">
+            <a:schemeClr val="accent1"/>
+          </a:lnRef>
+          <a:fillRef idx="0">
+            <a:schemeClr val="accent1"/>
+          </a:fillRef>
+          <a:effectRef idx="0">
+            <a:schemeClr val="accent1"/>
+          </a:effectRef>
+          <a:fontRef idx="minor">
+            <a:schemeClr val="tx1"/>
+          </a:fontRef>
+        </p:style>
+      </p:cxnSp>
+      <p:sp>
+        <p:nvSpPr>
+          <p:cNvPr id="31" name="TextBox 30">
+            <a:extLst>
+              <a:ext uri="{FF2B5EF4-FFF2-40B4-BE49-F238E27FC236}">
+                <a16:creationId xmlns:a16="http://schemas.microsoft.com/office/drawing/2014/main" id="{293CDBA3-D84D-46D2-8EA5-7D73506E2E04}"/>
               </a:ext>
             </a:extLst>
           </p:cNvPr>
@@ -5145,8 +4945,8 @@
         </p:nvSpPr>
         <p:spPr>
           <a:xfrm>
-            <a:off x="1219009" y="879978"/>
-            <a:ext cx="2596565" cy="646331"/>
+            <a:off x="3237292" y="2519873"/>
+            <a:ext cx="3398419" cy="430887"/>
           </a:xfrm>
           <a:prstGeom prst="rect">
             <a:avLst/>
@@ -5161,16 +4961,99 @@
           <a:p>
             <a:pPr algn="ctr"/>
             <a:r>
+              <a:rPr lang="en-US" sz="1050" dirty="0"/>
+              <a:t>Dueling to share some small portion of knowledge</a:t>
+            </a:r>
+          </a:p>
+          <a:p>
+            <a:pPr algn="ctr"/>
+            <a:r>
+              <a:rPr lang="en-US" sz="1050" b="1" dirty="0" err="1">
+                <a:solidFill>
+                  <a:schemeClr val="accent2"/>
+                </a:solidFill>
+              </a:rPr>
+              <a:t>Agent</a:t>
+            </a:r>
+            <a:r>
+              <a:rPr lang="en-US" sz="1050" dirty="0" err="1">
+                <a:solidFill>
+                  <a:schemeClr val="accent1"/>
+                </a:solidFill>
+              </a:rPr>
+              <a:t>.soft_update</a:t>
+            </a:r>
+            <a:endParaRPr lang="en-US" sz="1050" dirty="0">
+              <a:solidFill>
+                <a:schemeClr val="accent1"/>
+              </a:solidFill>
+            </a:endParaRPr>
+          </a:p>
+        </p:txBody>
+      </p:sp>
+      <p:sp>
+        <p:nvSpPr>
+          <p:cNvPr id="66" name="Rectangle 65">
+            <a:extLst>
+              <a:ext uri="{FF2B5EF4-FFF2-40B4-BE49-F238E27FC236}">
+                <a16:creationId xmlns:a16="http://schemas.microsoft.com/office/drawing/2014/main" id="{DAEE8B39-5FAE-4667-9006-259A9CD48DB2}"/>
+              </a:ext>
+            </a:extLst>
+          </p:cNvPr>
+          <p:cNvSpPr/>
+          <p:nvPr/>
+        </p:nvSpPr>
+        <p:spPr>
+          <a:xfrm>
+            <a:off x="3441537" y="764019"/>
+            <a:ext cx="1429953" cy="646331"/>
+          </a:xfrm>
+          <a:prstGeom prst="rect">
+            <a:avLst/>
+          </a:prstGeom>
+          <a:solidFill>
+            <a:schemeClr val="accent2">
+              <a:lumMod val="40000"/>
+              <a:lumOff val="60000"/>
+            </a:schemeClr>
+          </a:solidFill>
+          <a:ln>
+            <a:solidFill>
+              <a:schemeClr val="accent2">
+                <a:lumMod val="40000"/>
+                <a:lumOff val="60000"/>
+              </a:schemeClr>
+            </a:solidFill>
+          </a:ln>
+        </p:spPr>
+        <p:style>
+          <a:lnRef idx="2">
+            <a:schemeClr val="accent4">
+              <a:shade val="50000"/>
+            </a:schemeClr>
+          </a:lnRef>
+          <a:fillRef idx="1">
+            <a:schemeClr val="accent4"/>
+          </a:fillRef>
+          <a:effectRef idx="0">
+            <a:schemeClr val="accent4"/>
+          </a:effectRef>
+          <a:fontRef idx="minor">
+            <a:schemeClr val="lt1"/>
+          </a:fontRef>
+        </p:style>
+        <p:txBody>
+          <a:bodyPr rtlCol="0" anchor="ctr"/>
+          <a:lstStyle/>
+          <a:p>
+            <a:pPr algn="ctr"/>
+            <a:r>
               <a:rPr lang="en-US" altLang="zh-CN" dirty="0"/>
-              <a:t>Double</a:t>
-            </a:r>
-            <a:r>
-              <a:rPr lang="en-US" dirty="0"/>
-              <a:t> DQN</a:t>
-            </a:r>
-          </a:p>
-          <a:p>
-            <a:pPr algn="ctr"/>
+              <a:t>Q-learning</a:t>
+            </a:r>
+            <a:br>
+              <a:rPr lang="en-US" altLang="zh-CN" dirty="0"/>
+            </a:br>
             <a:r>
               <a:rPr lang="en-US" b="1" dirty="0" err="1">
                 <a:solidFill>
@@ -5197,54 +5080,237 @@
           </a:p>
         </p:txBody>
       </p:sp>
-      <p:sp>
-        <p:nvSpPr>
-          <p:cNvPr id="44" name="Minus Sign 43">
-            <a:extLst>
-              <a:ext uri="{FF2B5EF4-FFF2-40B4-BE49-F238E27FC236}">
-                <a16:creationId xmlns:a16="http://schemas.microsoft.com/office/drawing/2014/main" id="{385AA2D1-CEC9-42E2-807D-CB1E8B2E32F0}"/>
-              </a:ext>
-            </a:extLst>
-          </p:cNvPr>
-          <p:cNvSpPr/>
+      <p:cxnSp>
+        <p:nvCxnSpPr>
+          <p:cNvPr id="71" name="Connector: Elbow 70">
+            <a:extLst>
+              <a:ext uri="{FF2B5EF4-FFF2-40B4-BE49-F238E27FC236}">
+                <a16:creationId xmlns:a16="http://schemas.microsoft.com/office/drawing/2014/main" id="{330B5B95-D28A-4769-B8FC-47E243FE385E}"/>
+              </a:ext>
+            </a:extLst>
+          </p:cNvPr>
+          <p:cNvCxnSpPr>
+            <a:cxnSpLocks/>
+            <a:stCxn id="7" idx="2"/>
+          </p:cNvCxnSpPr>
           <p:nvPr/>
-        </p:nvSpPr>
+        </p:nvCxnSpPr>
+        <p:spPr>
+          <a:xfrm rot="10800000">
+            <a:off x="478538" y="928386"/>
+            <a:ext cx="1689024" cy="3113406"/>
+          </a:xfrm>
+          <a:prstGeom prst="bentConnector2">
+            <a:avLst/>
+          </a:prstGeom>
+          <a:ln w="38100">
+            <a:solidFill>
+              <a:schemeClr val="accent1">
+                <a:lumMod val="60000"/>
+                <a:lumOff val="40000"/>
+              </a:schemeClr>
+            </a:solidFill>
+          </a:ln>
+        </p:spPr>
+        <p:style>
+          <a:lnRef idx="1">
+            <a:schemeClr val="accent1"/>
+          </a:lnRef>
+          <a:fillRef idx="0">
+            <a:schemeClr val="accent1"/>
+          </a:fillRef>
+          <a:effectRef idx="0">
+            <a:schemeClr val="accent1"/>
+          </a:effectRef>
+          <a:fontRef idx="minor">
+            <a:schemeClr val="tx1"/>
+          </a:fontRef>
+        </p:style>
+      </p:cxnSp>
+      <p:cxnSp>
+        <p:nvCxnSpPr>
+          <p:cNvPr id="75" name="Straight Arrow Connector 74">
+            <a:extLst>
+              <a:ext uri="{FF2B5EF4-FFF2-40B4-BE49-F238E27FC236}">
+                <a16:creationId xmlns:a16="http://schemas.microsoft.com/office/drawing/2014/main" id="{278B3D63-DDFA-414C-9967-FA74BF8CDCDB}"/>
+              </a:ext>
+            </a:extLst>
+          </p:cNvPr>
+          <p:cNvCxnSpPr>
+            <a:cxnSpLocks/>
+          </p:cNvCxnSpPr>
+          <p:nvPr/>
+        </p:nvCxnSpPr>
         <p:spPr>
           <a:xfrm>
-            <a:off x="1737695" y="1502379"/>
-            <a:ext cx="207748" cy="115957"/>
+            <a:off x="471431" y="928386"/>
+            <a:ext cx="2970106" cy="7616"/>
           </a:xfrm>
-          <a:prstGeom prst="mathMinus">
+          <a:prstGeom prst="straightConnector1">
             <a:avLst/>
           </a:prstGeom>
-          <a:solidFill>
-            <a:schemeClr val="accent2">
-              <a:lumMod val="75000"/>
-            </a:schemeClr>
-          </a:solidFill>
+          <a:ln w="38100">
+            <a:solidFill>
+              <a:schemeClr val="accent1">
+                <a:lumMod val="60000"/>
+                <a:lumOff val="40000"/>
+              </a:schemeClr>
+            </a:solidFill>
+            <a:tailEnd type="triangle"/>
+          </a:ln>
         </p:spPr>
         <p:style>
-          <a:lnRef idx="2">
-            <a:schemeClr val="accent2">
-              <a:shade val="50000"/>
-            </a:schemeClr>
+          <a:lnRef idx="1">
+            <a:schemeClr val="accent1"/>
           </a:lnRef>
-          <a:fillRef idx="1">
-            <a:schemeClr val="accent2"/>
+          <a:fillRef idx="0">
+            <a:schemeClr val="accent1"/>
           </a:fillRef>
           <a:effectRef idx="0">
-            <a:schemeClr val="accent2"/>
+            <a:schemeClr val="accent1"/>
           </a:effectRef>
           <a:fontRef idx="minor">
-            <a:schemeClr val="lt1"/>
+            <a:schemeClr val="tx1"/>
           </a:fontRef>
         </p:style>
-        <p:txBody>
-          <a:bodyPr rtlCol="0" anchor="ctr"/>
-          <a:lstStyle/>
-          <a:p>
-            <a:pPr algn="ctr"/>
-            <a:endParaRPr lang="en-US"/>
+      </p:cxnSp>
+      <p:sp>
+        <p:nvSpPr>
+          <p:cNvPr id="97" name="TextBox 96">
+            <a:extLst>
+              <a:ext uri="{FF2B5EF4-FFF2-40B4-BE49-F238E27FC236}">
+                <a16:creationId xmlns:a16="http://schemas.microsoft.com/office/drawing/2014/main" id="{65A651BC-84AB-4AFE-B23B-387FE32D3447}"/>
+              </a:ext>
+            </a:extLst>
+          </p:cNvPr>
+          <p:cNvSpPr txBox="1"/>
+          <p:nvPr/>
+        </p:nvSpPr>
+        <p:spPr>
+          <a:xfrm>
+            <a:off x="2200755" y="1168795"/>
+            <a:ext cx="1884297" cy="253916"/>
+          </a:xfrm>
+          <a:prstGeom prst="rect">
+            <a:avLst/>
+          </a:prstGeom>
+          <a:noFill/>
+        </p:spPr>
+        <p:txBody>
+          <a:bodyPr wrap="square" rtlCol="0">
+            <a:spAutoFit/>
+          </a:bodyPr>
+          <a:lstStyle/>
+          <a:p>
+            <a:r>
+              <a:rPr lang="en-US" sz="1050" dirty="0"/>
+              <a:t>backpropagation</a:t>
+            </a:r>
+          </a:p>
+        </p:txBody>
+      </p:sp>
+      <p:sp>
+        <p:nvSpPr>
+          <p:cNvPr id="98" name="TextBox 97">
+            <a:extLst>
+              <a:ext uri="{FF2B5EF4-FFF2-40B4-BE49-F238E27FC236}">
+                <a16:creationId xmlns:a16="http://schemas.microsoft.com/office/drawing/2014/main" id="{D8241823-8E38-423D-8A36-1EC11A1A2323}"/>
+              </a:ext>
+            </a:extLst>
+          </p:cNvPr>
+          <p:cNvSpPr txBox="1"/>
+          <p:nvPr/>
+        </p:nvSpPr>
+        <p:spPr>
+          <a:xfrm>
+            <a:off x="4135621" y="1871651"/>
+            <a:ext cx="1884297" cy="253916"/>
+          </a:xfrm>
+          <a:prstGeom prst="rect">
+            <a:avLst/>
+          </a:prstGeom>
+          <a:noFill/>
+        </p:spPr>
+        <p:txBody>
+          <a:bodyPr wrap="square" rtlCol="0">
+            <a:spAutoFit/>
+          </a:bodyPr>
+          <a:lstStyle/>
+          <a:p>
+            <a:r>
+              <a:rPr lang="en-US" sz="1050" dirty="0"/>
+              <a:t>Action* with max Q value</a:t>
+            </a:r>
+          </a:p>
+        </p:txBody>
+      </p:sp>
+      <p:sp>
+        <p:nvSpPr>
+          <p:cNvPr id="105" name="TextBox 104">
+            <a:extLst>
+              <a:ext uri="{FF2B5EF4-FFF2-40B4-BE49-F238E27FC236}">
+                <a16:creationId xmlns:a16="http://schemas.microsoft.com/office/drawing/2014/main" id="{538AAF98-C5E4-4829-AB8B-40EC18175749}"/>
+              </a:ext>
+            </a:extLst>
+          </p:cNvPr>
+          <p:cNvSpPr txBox="1"/>
+          <p:nvPr/>
+        </p:nvSpPr>
+        <p:spPr>
+          <a:xfrm>
+            <a:off x="4930514" y="1162221"/>
+            <a:ext cx="2833347" cy="253916"/>
+          </a:xfrm>
+          <a:prstGeom prst="rect">
+            <a:avLst/>
+          </a:prstGeom>
+          <a:noFill/>
+        </p:spPr>
+        <p:txBody>
+          <a:bodyPr wrap="square" rtlCol="0">
+            <a:spAutoFit/>
+          </a:bodyPr>
+          <a:lstStyle/>
+          <a:p>
+            <a:r>
+              <a:rPr lang="en-US" sz="1050" dirty="0"/>
+              <a:t> Q-value of Action* from Target network</a:t>
+            </a:r>
+          </a:p>
+        </p:txBody>
+      </p:sp>
+      <p:sp>
+        <p:nvSpPr>
+          <p:cNvPr id="114" name="TextBox 113">
+            <a:extLst>
+              <a:ext uri="{FF2B5EF4-FFF2-40B4-BE49-F238E27FC236}">
+                <a16:creationId xmlns:a16="http://schemas.microsoft.com/office/drawing/2014/main" id="{A84E0653-7139-44E1-A20F-B41D92B0BFCE}"/>
+              </a:ext>
+            </a:extLst>
+          </p:cNvPr>
+          <p:cNvSpPr txBox="1"/>
+          <p:nvPr/>
+        </p:nvSpPr>
+        <p:spPr>
+          <a:xfrm>
+            <a:off x="478537" y="796861"/>
+            <a:ext cx="2841434" cy="253916"/>
+          </a:xfrm>
+          <a:prstGeom prst="rect">
+            <a:avLst/>
+          </a:prstGeom>
+          <a:noFill/>
+        </p:spPr>
+        <p:txBody>
+          <a:bodyPr wrap="square" rtlCol="0">
+            <a:spAutoFit/>
+          </a:bodyPr>
+          <a:lstStyle/>
+          <a:p>
+            <a:r>
+              <a:rPr lang="en-US" sz="1050" dirty="0"/>
+              <a:t>Small batch send to Q-learning for loss function</a:t>
+            </a:r>
           </a:p>
         </p:txBody>
       </p:sp>
